--- a/poster/thesisposter4.pptx
+++ b/poster/thesisposter4.pptx
@@ -3253,8 +3253,8 @@
         </p:nvSpPr>
         <p:spPr>
           <a:xfrm>
-            <a:off x="481095" y="1642448"/>
-            <a:ext cx="29108400" cy="3416320"/>
+            <a:off x="481095" y="2475599"/>
+            <a:ext cx="29108400" cy="2308324"/>
           </a:xfrm>
           <a:prstGeom prst="rect">
             <a:avLst/>
@@ -3267,11 +3267,7 @@
           </a:bodyPr>
           <a:lstStyle/>
           <a:p>
-            <a:pPr algn="ctr">
-              <a:lnSpc>
-                <a:spcPct val="150000"/>
-              </a:lnSpc>
-            </a:pPr>
+            <a:pPr algn="ctr"/>
             <a:r>
               <a:rPr lang="en-PH" sz="4800" dirty="0" smtClean="0">
                 <a:latin typeface="Crimson Text" pitchFamily="2" charset="0"/>
@@ -3280,11 +3276,7 @@
             </a:r>
           </a:p>
           <a:p>
-            <a:pPr algn="ctr">
-              <a:lnSpc>
-                <a:spcPct val="150000"/>
-              </a:lnSpc>
-            </a:pPr>
+            <a:pPr algn="ctr"/>
             <a:r>
               <a:rPr lang="en-PH" sz="4800" dirty="0" smtClean="0">
                 <a:latin typeface="Crimson Text" pitchFamily="2" charset="0"/>
@@ -3293,11 +3285,7 @@
             </a:r>
           </a:p>
           <a:p>
-            <a:pPr algn="ctr">
-              <a:lnSpc>
-                <a:spcPct val="150000"/>
-              </a:lnSpc>
-            </a:pPr>
+            <a:pPr algn="ctr"/>
             <a:r>
               <a:rPr lang="en-PH" sz="4800" dirty="0" smtClean="0">
                 <a:latin typeface="Crimson Text" pitchFamily="2" charset="0"/>
@@ -3363,7 +3351,7 @@
         </p:blipFill>
         <p:spPr bwMode="auto">
           <a:xfrm>
-            <a:off x="678474" y="2177340"/>
+            <a:off x="656456" y="2320926"/>
             <a:ext cx="2743200" cy="2743200"/>
           </a:xfrm>
           <a:prstGeom prst="rect">
@@ -3404,7 +3392,7 @@
         </p:blipFill>
         <p:spPr bwMode="auto">
           <a:xfrm>
-            <a:off x="23735250" y="5001361"/>
+            <a:off x="23684765" y="5065994"/>
             <a:ext cx="4362679" cy="1828800"/>
           </a:xfrm>
           <a:prstGeom prst="rect">
@@ -3445,7 +3433,7 @@
         </p:blipFill>
         <p:spPr bwMode="auto">
           <a:xfrm>
-            <a:off x="28097929" y="5001361"/>
+            <a:off x="28097929" y="5004298"/>
             <a:ext cx="1661985" cy="1828800"/>
           </a:xfrm>
           <a:prstGeom prst="rect">
@@ -3486,7 +3474,7 @@
         </p:blipFill>
         <p:spPr bwMode="auto">
           <a:xfrm>
-            <a:off x="3421674" y="2114575"/>
+            <a:off x="3399656" y="2258161"/>
             <a:ext cx="2743200" cy="2743200"/>
           </a:xfrm>
           <a:prstGeom prst="rect">
@@ -3586,8 +3574,38 @@
                 </a:solidFill>
                 <a:latin typeface="Montserrat" pitchFamily="2" charset="0"/>
               </a:rPr>
-              <a:t>Create a model that simulates an audience applause</a:t>
-            </a:r>
+              <a:t>Study </a:t>
+            </a:r>
+            <a:r>
+              <a:rPr lang="en-PH" sz="3800" dirty="0" smtClean="0">
+                <a:solidFill>
+                  <a:schemeClr val="accent2">
+                    <a:lumMod val="50000"/>
+                  </a:schemeClr>
+                </a:solidFill>
+                <a:latin typeface="Montserrat" pitchFamily="2" charset="0"/>
+              </a:rPr>
+              <a:t>the underlying dynamics of the </a:t>
+            </a:r>
+            <a:r>
+              <a:rPr lang="en-PH" sz="3800" dirty="0" smtClean="0">
+                <a:solidFill>
+                  <a:schemeClr val="accent2">
+                    <a:lumMod val="50000"/>
+                  </a:schemeClr>
+                </a:solidFill>
+                <a:latin typeface="Montserrat" pitchFamily="2" charset="0"/>
+              </a:rPr>
+              <a:t>audience applause</a:t>
+            </a:r>
+            <a:endParaRPr lang="en-PH" sz="3800" dirty="0" smtClean="0">
+              <a:solidFill>
+                <a:schemeClr val="accent2">
+                  <a:lumMod val="50000"/>
+                </a:schemeClr>
+              </a:solidFill>
+              <a:latin typeface="Montserrat" pitchFamily="2" charset="0"/>
+            </a:endParaRPr>
           </a:p>
           <a:p>
             <a:pPr marL="457200" indent="-457200">
@@ -3601,7 +3619,7 @@
               <a:buChar char="•"/>
             </a:pPr>
             <a:r>
-              <a:rPr lang="en-PH" sz="3800" dirty="0" smtClean="0">
+              <a:rPr lang="en-PH" sz="3800" dirty="0">
                 <a:solidFill>
                   <a:schemeClr val="accent2">
                     <a:lumMod val="50000"/>
@@ -3609,8 +3627,27 @@
                 </a:solidFill>
                 <a:latin typeface="Montserrat" pitchFamily="2" charset="0"/>
               </a:rPr>
-              <a:t>Study the underlying dynamics of the system</a:t>
-            </a:r>
+              <a:t>Create a model that simulates </a:t>
+            </a:r>
+            <a:r>
+              <a:rPr lang="en-PH" sz="3800" dirty="0" smtClean="0">
+                <a:solidFill>
+                  <a:schemeClr val="accent2">
+                    <a:lumMod val="50000"/>
+                  </a:schemeClr>
+                </a:solidFill>
+                <a:latin typeface="Montserrat" pitchFamily="2" charset="0"/>
+              </a:rPr>
+              <a:t>the system</a:t>
+            </a:r>
+            <a:endParaRPr lang="en-PH" sz="3800" dirty="0" smtClean="0">
+              <a:solidFill>
+                <a:schemeClr val="accent2">
+                  <a:lumMod val="50000"/>
+                </a:schemeClr>
+              </a:solidFill>
+              <a:latin typeface="Montserrat" pitchFamily="2" charset="0"/>
+            </a:endParaRPr>
           </a:p>
           <a:p>
             <a:pPr marL="457200" indent="-457200">
@@ -4525,7 +4562,16 @@
                 </a:solidFill>
                 <a:latin typeface="Montserrat" pitchFamily="2" charset="0"/>
               </a:rPr>
-              <a:t>method. </a:t>
+              <a:t>method. Bifurcation from the trivial to non-trivial solution occurs before the vertex</a:t>
+            </a:r>
+            <a:r>
+              <a:rPr lang="en-PH" sz="3800" i="1" dirty="0" smtClean="0">
+                <a:solidFill>
+                  <a:schemeClr val="bg1"/>
+                </a:solidFill>
+                <a:latin typeface="Montserrat" pitchFamily="2" charset="0"/>
+              </a:rPr>
+              <a:t>,</a:t>
             </a:r>
             <a:r>
               <a:rPr lang="en-PH" sz="3800" dirty="0" smtClean="0">
@@ -4534,7 +4580,25 @@
                 </a:solidFill>
                 <a:latin typeface="Montserrat" pitchFamily="2" charset="0"/>
               </a:rPr>
-              <a:t>Bifurcation </a:t>
+              <a:t> for </a:t>
+            </a:r>
+            <a:r>
+              <a:rPr lang="el-GR" sz="3800" dirty="0" smtClean="0">
+                <a:solidFill>
+                  <a:schemeClr val="bg1"/>
+                </a:solidFill>
+                <a:latin typeface="Crimson Text" pitchFamily="2" charset="0"/>
+              </a:rPr>
+              <a:t>β</a:t>
+            </a:r>
+            <a:r>
+              <a:rPr lang="en-PH" sz="3800" dirty="0">
+                <a:solidFill>
+                  <a:schemeClr val="bg1"/>
+                </a:solidFill>
+                <a:latin typeface="Crimson Text" pitchFamily="2" charset="0"/>
+              </a:rPr>
+              <a:t> </a:t>
             </a:r>
             <a:r>
               <a:rPr lang="en-PH" sz="3800" dirty="0" smtClean="0">
@@ -4543,88 +4607,7 @@
                 </a:solidFill>
                 <a:latin typeface="Montserrat" pitchFamily="2" charset="0"/>
               </a:rPr>
-              <a:t>from the trivial to non-trivial solution occurs before the </a:t>
-            </a:r>
-            <a:r>
-              <a:rPr lang="en-PH" sz="3800" dirty="0" smtClean="0">
-                <a:solidFill>
-                  <a:schemeClr val="bg1"/>
-                </a:solidFill>
-                <a:latin typeface="Montserrat" pitchFamily="2" charset="0"/>
-              </a:rPr>
-              <a:t>vertex</a:t>
-            </a:r>
-            <a:r>
-              <a:rPr lang="en-PH" sz="3800" i="1" dirty="0" smtClean="0">
-                <a:solidFill>
-                  <a:schemeClr val="bg1"/>
-                </a:solidFill>
-                <a:latin typeface="Montserrat" pitchFamily="2" charset="0"/>
-              </a:rPr>
-              <a:t>,</a:t>
-            </a:r>
-            <a:r>
-              <a:rPr lang="en-PH" sz="3800" dirty="0" smtClean="0">
-                <a:solidFill>
-                  <a:schemeClr val="bg1"/>
-                </a:solidFill>
-                <a:latin typeface="Montserrat" pitchFamily="2" charset="0"/>
-              </a:rPr>
-              <a:t> </a:t>
-            </a:r>
-            <a:r>
-              <a:rPr lang="en-PH" sz="3800" dirty="0" smtClean="0">
-                <a:solidFill>
-                  <a:schemeClr val="bg1"/>
-                </a:solidFill>
-                <a:latin typeface="Montserrat" pitchFamily="2" charset="0"/>
-              </a:rPr>
-              <a:t>for </a:t>
-            </a:r>
-            <a:r>
-              <a:rPr lang="el-GR" sz="3800" dirty="0" smtClean="0">
-                <a:solidFill>
-                  <a:schemeClr val="bg1"/>
-                </a:solidFill>
-                <a:latin typeface="Crimson Text" pitchFamily="2" charset="0"/>
-              </a:rPr>
-              <a:t>β</a:t>
-            </a:r>
-            <a:r>
-              <a:rPr lang="en-PH" sz="3800" dirty="0">
-                <a:solidFill>
-                  <a:schemeClr val="bg1"/>
-                </a:solidFill>
-                <a:latin typeface="Crimson Text" pitchFamily="2" charset="0"/>
-              </a:rPr>
-              <a:t> </a:t>
-            </a:r>
-            <a:r>
-              <a:rPr lang="en-PH" sz="3800" dirty="0" smtClean="0">
-                <a:solidFill>
-                  <a:schemeClr val="bg1"/>
-                </a:solidFill>
-                <a:latin typeface="Montserrat" pitchFamily="2" charset="0"/>
-              </a:rPr>
-              <a:t>&gt; 1, and </a:t>
-            </a:r>
-            <a:r>
-              <a:rPr lang="en-PH" sz="3800" dirty="0" smtClean="0">
-                <a:solidFill>
-                  <a:schemeClr val="bg1"/>
-                </a:solidFill>
-                <a:latin typeface="Montserrat" pitchFamily="2" charset="0"/>
-              </a:rPr>
-              <a:t>at the point of intersection, </a:t>
-            </a:r>
-            <a:r>
-              <a:rPr lang="en-PH" sz="3800" dirty="0" smtClean="0">
-                <a:solidFill>
-                  <a:schemeClr val="bg1"/>
-                </a:solidFill>
-                <a:latin typeface="Montserrat" pitchFamily="2" charset="0"/>
-              </a:rPr>
-              <a:t>for </a:t>
+              <a:t>&gt; 1, and at the point of intersection, for </a:t>
             </a:r>
             <a:r>
               <a:rPr lang="el-GR" sz="3800" dirty="0" smtClean="0">
@@ -5027,7 +5010,7 @@
         </p:blipFill>
         <p:spPr bwMode="auto">
           <a:xfrm>
-            <a:off x="23735250" y="1715386"/>
+            <a:off x="23684765" y="1800961"/>
             <a:ext cx="3116179" cy="3200400"/>
           </a:xfrm>
           <a:prstGeom prst="rect">
@@ -5068,7 +5051,7 @@
         </p:blipFill>
         <p:spPr bwMode="auto">
           <a:xfrm>
-            <a:off x="26837151" y="1715386"/>
+            <a:off x="26837151" y="1800961"/>
             <a:ext cx="2752344" cy="3200400"/>
           </a:xfrm>
           <a:prstGeom prst="rect">
@@ -5209,16 +5192,7 @@
                 </a:solidFill>
                 <a:latin typeface="Montserrat" pitchFamily="2" charset="0"/>
               </a:rPr>
-              <a:t>Limiting the agents that can influence the reference agent allows simulations to have a finite applause time. This configuration </a:t>
-            </a:r>
-            <a:r>
-              <a:rPr lang="en-PH" sz="3600" dirty="0" smtClean="0">
-                <a:solidFill>
-                  <a:schemeClr val="bg1"/>
-                </a:solidFill>
-                <a:latin typeface="Montserrat" pitchFamily="2" charset="0"/>
-              </a:rPr>
-              <a:t>allows simulations to recreate real life audience applause where the applause duration increases in proportion to the audience size.</a:t>
+              <a:t>Limiting the agents that can influence the reference agent allows simulations to have a finite applause time. This configuration allows simulations to recreate real life audience applause where the applause duration increases in proportion to the audience size.</a:t>
             </a:r>
             <a:endParaRPr lang="en-PH" sz="3600" dirty="0" smtClean="0">
               <a:solidFill>
